--- a/Lancaster/Cuadernillo_Matematicas_v2.pptx
+++ b/Lancaster/Cuadernillo_Matematicas_v2.pptx
@@ -136,10 +136,6 @@
             <p14:sldId id="257"/>
             <p14:sldId id="258"/>
             <p14:sldId id="259"/>
-          </p14:sldIdLst>
-        </p14:section>
-        <p14:section name="Sección sin título" id="{9CD116EC-709F-4C9A-8C6F-FF2F607BCC54}">
-          <p14:sldIdLst>
             <p14:sldId id="260"/>
             <p14:sldId id="261"/>
             <p14:sldId id="262"/>
@@ -3524,6 +3520,218 @@
           </a:p>
         </p:txBody>
       </p:sp>
+      <p:sp>
+        <p:nvSpPr>
+          <p:cNvPr id="13" name="Elipse 12"/>
+          <p:cNvSpPr/>
+          <p:nvPr/>
+        </p:nvSpPr>
+        <p:spPr>
+          <a:xfrm>
+            <a:off x="445120" y="7358585"/>
+            <a:ext cx="3145279" cy="427512"/>
+          </a:xfrm>
+          <a:prstGeom prst="ellipse">
+            <a:avLst/>
+          </a:prstGeom>
+          <a:noFill/>
+          <a:ln w="19050">
+            <a:solidFill>
+              <a:srgbClr val="FF0000"/>
+            </a:solidFill>
+          </a:ln>
+        </p:spPr>
+        <p:style>
+          <a:lnRef idx="2">
+            <a:schemeClr val="accent1">
+              <a:shade val="50000"/>
+            </a:schemeClr>
+          </a:lnRef>
+          <a:fillRef idx="1">
+            <a:schemeClr val="accent1"/>
+          </a:fillRef>
+          <a:effectRef idx="0">
+            <a:schemeClr val="accent1"/>
+          </a:effectRef>
+          <a:fontRef idx="minor">
+            <a:schemeClr val="lt1"/>
+          </a:fontRef>
+        </p:style>
+        <p:txBody>
+          <a:bodyPr rtlCol="0" anchor="ctr"/>
+          <a:lstStyle/>
+          <a:p>
+            <a:pPr algn="ctr"/>
+            <a:endParaRPr lang="es-MX"/>
+          </a:p>
+        </p:txBody>
+      </p:sp>
+      <p:sp>
+        <p:nvSpPr>
+          <p:cNvPr id="14" name="Elipse 13"/>
+          <p:cNvSpPr/>
+          <p:nvPr/>
+        </p:nvSpPr>
+        <p:spPr>
+          <a:xfrm>
+            <a:off x="1053608" y="5778437"/>
+            <a:ext cx="3145279" cy="427512"/>
+          </a:xfrm>
+          <a:prstGeom prst="ellipse">
+            <a:avLst/>
+          </a:prstGeom>
+          <a:noFill/>
+          <a:ln w="19050">
+            <a:solidFill>
+              <a:srgbClr val="FF0000"/>
+            </a:solidFill>
+          </a:ln>
+        </p:spPr>
+        <p:style>
+          <a:lnRef idx="2">
+            <a:schemeClr val="accent1">
+              <a:shade val="50000"/>
+            </a:schemeClr>
+          </a:lnRef>
+          <a:fillRef idx="1">
+            <a:schemeClr val="accent1"/>
+          </a:fillRef>
+          <a:effectRef idx="0">
+            <a:schemeClr val="accent1"/>
+          </a:effectRef>
+          <a:fontRef idx="minor">
+            <a:schemeClr val="lt1"/>
+          </a:fontRef>
+        </p:style>
+        <p:txBody>
+          <a:bodyPr rtlCol="0" anchor="ctr"/>
+          <a:lstStyle/>
+          <a:p>
+            <a:pPr algn="ctr"/>
+            <a:endParaRPr lang="es-MX"/>
+          </a:p>
+        </p:txBody>
+      </p:sp>
+      <p:sp>
+        <p:nvSpPr>
+          <p:cNvPr id="15" name="Elipse 14"/>
+          <p:cNvSpPr/>
+          <p:nvPr/>
+        </p:nvSpPr>
+        <p:spPr>
+          <a:xfrm>
+            <a:off x="3998684" y="3902393"/>
+            <a:ext cx="381930" cy="189188"/>
+          </a:xfrm>
+          <a:prstGeom prst="ellipse">
+            <a:avLst/>
+          </a:prstGeom>
+        </p:spPr>
+        <p:style>
+          <a:lnRef idx="2">
+            <a:schemeClr val="accent1">
+              <a:shade val="50000"/>
+            </a:schemeClr>
+          </a:lnRef>
+          <a:fillRef idx="1">
+            <a:schemeClr val="accent1"/>
+          </a:fillRef>
+          <a:effectRef idx="0">
+            <a:schemeClr val="accent1"/>
+          </a:effectRef>
+          <a:fontRef idx="minor">
+            <a:schemeClr val="lt1"/>
+          </a:fontRef>
+        </p:style>
+        <p:txBody>
+          <a:bodyPr rtlCol="0" anchor="ctr"/>
+          <a:lstStyle/>
+          <a:p>
+            <a:pPr algn="ctr"/>
+            <a:endParaRPr lang="es-MX"/>
+          </a:p>
+        </p:txBody>
+      </p:sp>
+      <p:sp>
+        <p:nvSpPr>
+          <p:cNvPr id="16" name="Elipse 15"/>
+          <p:cNvSpPr/>
+          <p:nvPr/>
+        </p:nvSpPr>
+        <p:spPr>
+          <a:xfrm>
+            <a:off x="3754135" y="3063822"/>
+            <a:ext cx="381930" cy="189188"/>
+          </a:xfrm>
+          <a:prstGeom prst="ellipse">
+            <a:avLst/>
+          </a:prstGeom>
+        </p:spPr>
+        <p:style>
+          <a:lnRef idx="2">
+            <a:schemeClr val="accent1">
+              <a:shade val="50000"/>
+            </a:schemeClr>
+          </a:lnRef>
+          <a:fillRef idx="1">
+            <a:schemeClr val="accent1"/>
+          </a:fillRef>
+          <a:effectRef idx="0">
+            <a:schemeClr val="accent1"/>
+          </a:effectRef>
+          <a:fontRef idx="minor">
+            <a:schemeClr val="lt1"/>
+          </a:fontRef>
+        </p:style>
+        <p:txBody>
+          <a:bodyPr rtlCol="0" anchor="ctr"/>
+          <a:lstStyle/>
+          <a:p>
+            <a:pPr algn="ctr"/>
+            <a:endParaRPr lang="es-MX"/>
+          </a:p>
+        </p:txBody>
+      </p:sp>
+      <p:sp>
+        <p:nvSpPr>
+          <p:cNvPr id="17" name="Elipse 16"/>
+          <p:cNvSpPr/>
+          <p:nvPr/>
+        </p:nvSpPr>
+        <p:spPr>
+          <a:xfrm>
+            <a:off x="4448796" y="3902393"/>
+            <a:ext cx="381930" cy="189188"/>
+          </a:xfrm>
+          <a:prstGeom prst="ellipse">
+            <a:avLst/>
+          </a:prstGeom>
+        </p:spPr>
+        <p:style>
+          <a:lnRef idx="2">
+            <a:schemeClr val="accent1">
+              <a:shade val="50000"/>
+            </a:schemeClr>
+          </a:lnRef>
+          <a:fillRef idx="1">
+            <a:schemeClr val="accent1"/>
+          </a:fillRef>
+          <a:effectRef idx="0">
+            <a:schemeClr val="accent1"/>
+          </a:effectRef>
+          <a:fontRef idx="minor">
+            <a:schemeClr val="lt1"/>
+          </a:fontRef>
+        </p:style>
+        <p:txBody>
+          <a:bodyPr rtlCol="0" anchor="ctr"/>
+          <a:lstStyle/>
+          <a:p>
+            <a:pPr algn="ctr"/>
+            <a:endParaRPr lang="es-MX"/>
+          </a:p>
+        </p:txBody>
+      </p:sp>
     </p:spTree>
     <p:extLst>
       <p:ext uri="{BB962C8B-B14F-4D97-AF65-F5344CB8AC3E}">
@@ -3816,6 +4024,144 @@
           </a:p>
         </p:txBody>
       </p:sp>
+      <p:sp>
+        <p:nvSpPr>
+          <p:cNvPr id="12" name="Elipse 11"/>
+          <p:cNvSpPr/>
+          <p:nvPr/>
+        </p:nvSpPr>
+        <p:spPr>
+          <a:xfrm>
+            <a:off x="897498" y="2161881"/>
+            <a:ext cx="3145279" cy="427512"/>
+          </a:xfrm>
+          <a:prstGeom prst="ellipse">
+            <a:avLst/>
+          </a:prstGeom>
+          <a:noFill/>
+          <a:ln w="19050">
+            <a:solidFill>
+              <a:srgbClr val="FF0000"/>
+            </a:solidFill>
+          </a:ln>
+        </p:spPr>
+        <p:style>
+          <a:lnRef idx="2">
+            <a:schemeClr val="accent1">
+              <a:shade val="50000"/>
+            </a:schemeClr>
+          </a:lnRef>
+          <a:fillRef idx="1">
+            <a:schemeClr val="accent1"/>
+          </a:fillRef>
+          <a:effectRef idx="0">
+            <a:schemeClr val="accent1"/>
+          </a:effectRef>
+          <a:fontRef idx="minor">
+            <a:schemeClr val="lt1"/>
+          </a:fontRef>
+        </p:style>
+        <p:txBody>
+          <a:bodyPr rtlCol="0" anchor="ctr"/>
+          <a:lstStyle/>
+          <a:p>
+            <a:pPr algn="ctr"/>
+            <a:endParaRPr lang="es-MX"/>
+          </a:p>
+        </p:txBody>
+      </p:sp>
+      <p:sp>
+        <p:nvSpPr>
+          <p:cNvPr id="13" name="Elipse 12"/>
+          <p:cNvSpPr/>
+          <p:nvPr/>
+        </p:nvSpPr>
+        <p:spPr>
+          <a:xfrm>
+            <a:off x="543613" y="3912383"/>
+            <a:ext cx="3145279" cy="427512"/>
+          </a:xfrm>
+          <a:prstGeom prst="ellipse">
+            <a:avLst/>
+          </a:prstGeom>
+          <a:noFill/>
+          <a:ln w="19050">
+            <a:solidFill>
+              <a:srgbClr val="FF0000"/>
+            </a:solidFill>
+          </a:ln>
+        </p:spPr>
+        <p:style>
+          <a:lnRef idx="2">
+            <a:schemeClr val="accent1">
+              <a:shade val="50000"/>
+            </a:schemeClr>
+          </a:lnRef>
+          <a:fillRef idx="1">
+            <a:schemeClr val="accent1"/>
+          </a:fillRef>
+          <a:effectRef idx="0">
+            <a:schemeClr val="accent1"/>
+          </a:effectRef>
+          <a:fontRef idx="minor">
+            <a:schemeClr val="lt1"/>
+          </a:fontRef>
+        </p:style>
+        <p:txBody>
+          <a:bodyPr rtlCol="0" anchor="ctr"/>
+          <a:lstStyle/>
+          <a:p>
+            <a:pPr algn="ctr"/>
+            <a:endParaRPr lang="es-MX"/>
+          </a:p>
+        </p:txBody>
+      </p:sp>
+      <p:sp>
+        <p:nvSpPr>
+          <p:cNvPr id="14" name="Elipse 13"/>
+          <p:cNvSpPr/>
+          <p:nvPr/>
+        </p:nvSpPr>
+        <p:spPr>
+          <a:xfrm>
+            <a:off x="594911" y="7862418"/>
+            <a:ext cx="3145279" cy="427512"/>
+          </a:xfrm>
+          <a:prstGeom prst="ellipse">
+            <a:avLst/>
+          </a:prstGeom>
+          <a:noFill/>
+          <a:ln w="19050">
+            <a:solidFill>
+              <a:srgbClr val="FF0000"/>
+            </a:solidFill>
+          </a:ln>
+        </p:spPr>
+        <p:style>
+          <a:lnRef idx="2">
+            <a:schemeClr val="accent1">
+              <a:shade val="50000"/>
+            </a:schemeClr>
+          </a:lnRef>
+          <a:fillRef idx="1">
+            <a:schemeClr val="accent1"/>
+          </a:fillRef>
+          <a:effectRef idx="0">
+            <a:schemeClr val="accent1"/>
+          </a:effectRef>
+          <a:fontRef idx="minor">
+            <a:schemeClr val="lt1"/>
+          </a:fontRef>
+        </p:style>
+        <p:txBody>
+          <a:bodyPr rtlCol="0" anchor="ctr"/>
+          <a:lstStyle/>
+          <a:p>
+            <a:pPr algn="ctr"/>
+            <a:endParaRPr lang="es-MX"/>
+          </a:p>
+        </p:txBody>
+      </p:sp>
     </p:spTree>
     <p:extLst>
       <p:ext uri="{BB962C8B-B14F-4D97-AF65-F5344CB8AC3E}">
@@ -3826,6 +4172,13 @@
   <p:clrMapOvr>
     <a:masterClrMapping/>
   </p:clrMapOvr>
+  <p:timing>
+    <p:tnLst>
+      <p:par>
+        <p:cTn id="1" dur="indefinite" restart="never" nodeType="tmRoot"/>
+      </p:par>
+    </p:tnLst>
+  </p:timing>
 </p:sld>
 </file>
 
@@ -4001,6 +4354,13 @@
   <p:clrMapOvr>
     <a:masterClrMapping/>
   </p:clrMapOvr>
+  <p:timing>
+    <p:tnLst>
+      <p:par>
+        <p:cTn id="1" dur="indefinite" restart="never" nodeType="tmRoot"/>
+      </p:par>
+    </p:tnLst>
+  </p:timing>
 </p:sld>
 </file>
 
@@ -4276,6 +4636,144 @@
           </a:p>
         </p:txBody>
       </p:sp>
+      <p:sp>
+        <p:nvSpPr>
+          <p:cNvPr id="12" name="Elipse 11"/>
+          <p:cNvSpPr/>
+          <p:nvPr/>
+        </p:nvSpPr>
+        <p:spPr>
+          <a:xfrm>
+            <a:off x="738223" y="3175491"/>
+            <a:ext cx="3145279" cy="427512"/>
+          </a:xfrm>
+          <a:prstGeom prst="ellipse">
+            <a:avLst/>
+          </a:prstGeom>
+          <a:noFill/>
+          <a:ln w="19050">
+            <a:solidFill>
+              <a:srgbClr val="FF0000"/>
+            </a:solidFill>
+          </a:ln>
+        </p:spPr>
+        <p:style>
+          <a:lnRef idx="2">
+            <a:schemeClr val="accent1">
+              <a:shade val="50000"/>
+            </a:schemeClr>
+          </a:lnRef>
+          <a:fillRef idx="1">
+            <a:schemeClr val="accent1"/>
+          </a:fillRef>
+          <a:effectRef idx="0">
+            <a:schemeClr val="accent1"/>
+          </a:effectRef>
+          <a:fontRef idx="minor">
+            <a:schemeClr val="lt1"/>
+          </a:fontRef>
+        </p:style>
+        <p:txBody>
+          <a:bodyPr rtlCol="0" anchor="ctr"/>
+          <a:lstStyle/>
+          <a:p>
+            <a:pPr algn="ctr"/>
+            <a:endParaRPr lang="es-MX"/>
+          </a:p>
+        </p:txBody>
+      </p:sp>
+      <p:sp>
+        <p:nvSpPr>
+          <p:cNvPr id="14" name="Elipse 13"/>
+          <p:cNvSpPr/>
+          <p:nvPr/>
+        </p:nvSpPr>
+        <p:spPr>
+          <a:xfrm>
+            <a:off x="495759" y="4459304"/>
+            <a:ext cx="3145279" cy="427512"/>
+          </a:xfrm>
+          <a:prstGeom prst="ellipse">
+            <a:avLst/>
+          </a:prstGeom>
+          <a:noFill/>
+          <a:ln w="19050">
+            <a:solidFill>
+              <a:srgbClr val="FF0000"/>
+            </a:solidFill>
+          </a:ln>
+        </p:spPr>
+        <p:style>
+          <a:lnRef idx="2">
+            <a:schemeClr val="accent1">
+              <a:shade val="50000"/>
+            </a:schemeClr>
+          </a:lnRef>
+          <a:fillRef idx="1">
+            <a:schemeClr val="accent1"/>
+          </a:fillRef>
+          <a:effectRef idx="0">
+            <a:schemeClr val="accent1"/>
+          </a:effectRef>
+          <a:fontRef idx="minor">
+            <a:schemeClr val="lt1"/>
+          </a:fontRef>
+        </p:style>
+        <p:txBody>
+          <a:bodyPr rtlCol="0" anchor="ctr"/>
+          <a:lstStyle/>
+          <a:p>
+            <a:pPr algn="ctr"/>
+            <a:endParaRPr lang="es-MX"/>
+          </a:p>
+        </p:txBody>
+      </p:sp>
+      <p:sp>
+        <p:nvSpPr>
+          <p:cNvPr id="15" name="Elipse 14"/>
+          <p:cNvSpPr/>
+          <p:nvPr/>
+        </p:nvSpPr>
+        <p:spPr>
+          <a:xfrm>
+            <a:off x="384356" y="7447077"/>
+            <a:ext cx="5708100" cy="427512"/>
+          </a:xfrm>
+          <a:prstGeom prst="ellipse">
+            <a:avLst/>
+          </a:prstGeom>
+          <a:noFill/>
+          <a:ln w="19050">
+            <a:solidFill>
+              <a:srgbClr val="FF0000"/>
+            </a:solidFill>
+          </a:ln>
+        </p:spPr>
+        <p:style>
+          <a:lnRef idx="2">
+            <a:schemeClr val="accent1">
+              <a:shade val="50000"/>
+            </a:schemeClr>
+          </a:lnRef>
+          <a:fillRef idx="1">
+            <a:schemeClr val="accent1"/>
+          </a:fillRef>
+          <a:effectRef idx="0">
+            <a:schemeClr val="accent1"/>
+          </a:effectRef>
+          <a:fontRef idx="minor">
+            <a:schemeClr val="lt1"/>
+          </a:fontRef>
+        </p:style>
+        <p:txBody>
+          <a:bodyPr rtlCol="0" anchor="ctr"/>
+          <a:lstStyle/>
+          <a:p>
+            <a:pPr algn="ctr"/>
+            <a:endParaRPr lang="es-MX"/>
+          </a:p>
+        </p:txBody>
+      </p:sp>
     </p:spTree>
     <p:extLst>
       <p:ext uri="{BB962C8B-B14F-4D97-AF65-F5344CB8AC3E}">
@@ -4286,6 +4784,13 @@
   <p:clrMapOvr>
     <a:masterClrMapping/>
   </p:clrMapOvr>
+  <p:timing>
+    <p:tnLst>
+      <p:par>
+        <p:cTn id="1" dur="indefinite" restart="never" nodeType="tmRoot"/>
+      </p:par>
+    </p:tnLst>
+  </p:timing>
 </p:sld>
 </file>
 
@@ -4486,6 +4991,98 @@
           </a:p>
         </p:txBody>
       </p:sp>
+      <p:sp>
+        <p:nvSpPr>
+          <p:cNvPr id="10" name="Elipse 9"/>
+          <p:cNvSpPr/>
+          <p:nvPr/>
+        </p:nvSpPr>
+        <p:spPr>
+          <a:xfrm>
+            <a:off x="748722" y="1630969"/>
+            <a:ext cx="3145279" cy="427512"/>
+          </a:xfrm>
+          <a:prstGeom prst="ellipse">
+            <a:avLst/>
+          </a:prstGeom>
+          <a:noFill/>
+          <a:ln w="19050">
+            <a:solidFill>
+              <a:srgbClr val="FF0000"/>
+            </a:solidFill>
+          </a:ln>
+        </p:spPr>
+        <p:style>
+          <a:lnRef idx="2">
+            <a:schemeClr val="accent1">
+              <a:shade val="50000"/>
+            </a:schemeClr>
+          </a:lnRef>
+          <a:fillRef idx="1">
+            <a:schemeClr val="accent1"/>
+          </a:fillRef>
+          <a:effectRef idx="0">
+            <a:schemeClr val="accent1"/>
+          </a:effectRef>
+          <a:fontRef idx="minor">
+            <a:schemeClr val="lt1"/>
+          </a:fontRef>
+        </p:style>
+        <p:txBody>
+          <a:bodyPr rtlCol="0" anchor="ctr"/>
+          <a:lstStyle/>
+          <a:p>
+            <a:pPr algn="ctr"/>
+            <a:endParaRPr lang="es-MX"/>
+          </a:p>
+        </p:txBody>
+      </p:sp>
+      <p:sp>
+        <p:nvSpPr>
+          <p:cNvPr id="11" name="Elipse 10"/>
+          <p:cNvSpPr/>
+          <p:nvPr/>
+        </p:nvSpPr>
+        <p:spPr>
+          <a:xfrm>
+            <a:off x="637762" y="7043016"/>
+            <a:ext cx="3145279" cy="427512"/>
+          </a:xfrm>
+          <a:prstGeom prst="ellipse">
+            <a:avLst/>
+          </a:prstGeom>
+          <a:noFill/>
+          <a:ln w="19050">
+            <a:solidFill>
+              <a:srgbClr val="FF0000"/>
+            </a:solidFill>
+          </a:ln>
+        </p:spPr>
+        <p:style>
+          <a:lnRef idx="2">
+            <a:schemeClr val="accent1">
+              <a:shade val="50000"/>
+            </a:schemeClr>
+          </a:lnRef>
+          <a:fillRef idx="1">
+            <a:schemeClr val="accent1"/>
+          </a:fillRef>
+          <a:effectRef idx="0">
+            <a:schemeClr val="accent1"/>
+          </a:effectRef>
+          <a:fontRef idx="minor">
+            <a:schemeClr val="lt1"/>
+          </a:fontRef>
+        </p:style>
+        <p:txBody>
+          <a:bodyPr rtlCol="0" anchor="ctr"/>
+          <a:lstStyle/>
+          <a:p>
+            <a:pPr algn="ctr"/>
+            <a:endParaRPr lang="es-MX"/>
+          </a:p>
+        </p:txBody>
+      </p:sp>
     </p:spTree>
     <p:extLst>
       <p:ext uri="{BB962C8B-B14F-4D97-AF65-F5344CB8AC3E}">
@@ -4496,6 +5093,13 @@
   <p:clrMapOvr>
     <a:masterClrMapping/>
   </p:clrMapOvr>
+  <p:timing>
+    <p:tnLst>
+      <p:par>
+        <p:cTn id="1" dur="indefinite" restart="never" nodeType="tmRoot"/>
+      </p:par>
+    </p:tnLst>
+  </p:timing>
 </p:sld>
 </file>
 
@@ -4696,6 +5300,98 @@
           </a:p>
         </p:txBody>
       </p:sp>
+      <p:sp>
+        <p:nvSpPr>
+          <p:cNvPr id="9" name="Elipse 8"/>
+          <p:cNvSpPr/>
+          <p:nvPr/>
+        </p:nvSpPr>
+        <p:spPr>
+          <a:xfrm>
+            <a:off x="463861" y="3757556"/>
+            <a:ext cx="3145279" cy="427512"/>
+          </a:xfrm>
+          <a:prstGeom prst="ellipse">
+            <a:avLst/>
+          </a:prstGeom>
+          <a:noFill/>
+          <a:ln w="19050">
+            <a:solidFill>
+              <a:srgbClr val="FF0000"/>
+            </a:solidFill>
+          </a:ln>
+        </p:spPr>
+        <p:style>
+          <a:lnRef idx="2">
+            <a:schemeClr val="accent1">
+              <a:shade val="50000"/>
+            </a:schemeClr>
+          </a:lnRef>
+          <a:fillRef idx="1">
+            <a:schemeClr val="accent1"/>
+          </a:fillRef>
+          <a:effectRef idx="0">
+            <a:schemeClr val="accent1"/>
+          </a:effectRef>
+          <a:fontRef idx="minor">
+            <a:schemeClr val="lt1"/>
+          </a:fontRef>
+        </p:style>
+        <p:txBody>
+          <a:bodyPr rtlCol="0" anchor="ctr"/>
+          <a:lstStyle/>
+          <a:p>
+            <a:pPr algn="ctr"/>
+            <a:endParaRPr lang="es-MX"/>
+          </a:p>
+        </p:txBody>
+      </p:sp>
+      <p:sp>
+        <p:nvSpPr>
+          <p:cNvPr id="10" name="Elipse 9"/>
+          <p:cNvSpPr/>
+          <p:nvPr/>
+        </p:nvSpPr>
+        <p:spPr>
+          <a:xfrm>
+            <a:off x="564707" y="7584334"/>
+            <a:ext cx="3145279" cy="427512"/>
+          </a:xfrm>
+          <a:prstGeom prst="ellipse">
+            <a:avLst/>
+          </a:prstGeom>
+          <a:noFill/>
+          <a:ln w="19050">
+            <a:solidFill>
+              <a:srgbClr val="FF0000"/>
+            </a:solidFill>
+          </a:ln>
+        </p:spPr>
+        <p:style>
+          <a:lnRef idx="2">
+            <a:schemeClr val="accent1">
+              <a:shade val="50000"/>
+            </a:schemeClr>
+          </a:lnRef>
+          <a:fillRef idx="1">
+            <a:schemeClr val="accent1"/>
+          </a:fillRef>
+          <a:effectRef idx="0">
+            <a:schemeClr val="accent1"/>
+          </a:effectRef>
+          <a:fontRef idx="minor">
+            <a:schemeClr val="lt1"/>
+          </a:fontRef>
+        </p:style>
+        <p:txBody>
+          <a:bodyPr rtlCol="0" anchor="ctr"/>
+          <a:lstStyle/>
+          <a:p>
+            <a:pPr algn="ctr"/>
+            <a:endParaRPr lang="es-MX"/>
+          </a:p>
+        </p:txBody>
+      </p:sp>
     </p:spTree>
     <p:extLst>
       <p:ext uri="{BB962C8B-B14F-4D97-AF65-F5344CB8AC3E}">
@@ -4706,6 +5402,13 @@
   <p:clrMapOvr>
     <a:masterClrMapping/>
   </p:clrMapOvr>
+  <p:timing>
+    <p:tnLst>
+      <p:par>
+        <p:cTn id="1" dur="indefinite" restart="never" nodeType="tmRoot"/>
+      </p:par>
+    </p:tnLst>
+  </p:timing>
 </p:sld>
 </file>
 
@@ -4809,7 +5512,7 @@
         </p:nvGrpSpPr>
         <p:grpSpPr>
           <a:xfrm>
-            <a:off x="396607" y="4538948"/>
+            <a:off x="396607" y="4459304"/>
             <a:ext cx="3826072" cy="2509123"/>
             <a:chOff x="396607" y="4538949"/>
             <a:chExt cx="3591499" cy="2259458"/>
@@ -4906,6 +5609,98 @@
           </a:p>
         </p:txBody>
       </p:sp>
+      <p:sp>
+        <p:nvSpPr>
+          <p:cNvPr id="9" name="Elipse 8"/>
+          <p:cNvSpPr/>
+          <p:nvPr/>
+        </p:nvSpPr>
+        <p:spPr>
+          <a:xfrm>
+            <a:off x="396607" y="2545444"/>
+            <a:ext cx="3145279" cy="427512"/>
+          </a:xfrm>
+          <a:prstGeom prst="ellipse">
+            <a:avLst/>
+          </a:prstGeom>
+          <a:noFill/>
+          <a:ln w="19050">
+            <a:solidFill>
+              <a:srgbClr val="FF0000"/>
+            </a:solidFill>
+          </a:ln>
+        </p:spPr>
+        <p:style>
+          <a:lnRef idx="2">
+            <a:schemeClr val="accent1">
+              <a:shade val="50000"/>
+            </a:schemeClr>
+          </a:lnRef>
+          <a:fillRef idx="1">
+            <a:schemeClr val="accent1"/>
+          </a:fillRef>
+          <a:effectRef idx="0">
+            <a:schemeClr val="accent1"/>
+          </a:effectRef>
+          <a:fontRef idx="minor">
+            <a:schemeClr val="lt1"/>
+          </a:fontRef>
+        </p:style>
+        <p:txBody>
+          <a:bodyPr rtlCol="0" anchor="ctr"/>
+          <a:lstStyle/>
+          <a:p>
+            <a:pPr algn="ctr"/>
+            <a:endParaRPr lang="es-MX"/>
+          </a:p>
+        </p:txBody>
+      </p:sp>
+      <p:sp>
+        <p:nvSpPr>
+          <p:cNvPr id="10" name="Elipse 9"/>
+          <p:cNvSpPr/>
+          <p:nvPr/>
+        </p:nvSpPr>
+        <p:spPr>
+          <a:xfrm>
+            <a:off x="483602" y="5890014"/>
+            <a:ext cx="3145279" cy="427512"/>
+          </a:xfrm>
+          <a:prstGeom prst="ellipse">
+            <a:avLst/>
+          </a:prstGeom>
+          <a:noFill/>
+          <a:ln w="19050">
+            <a:solidFill>
+              <a:srgbClr val="FF0000"/>
+            </a:solidFill>
+          </a:ln>
+        </p:spPr>
+        <p:style>
+          <a:lnRef idx="2">
+            <a:schemeClr val="accent1">
+              <a:shade val="50000"/>
+            </a:schemeClr>
+          </a:lnRef>
+          <a:fillRef idx="1">
+            <a:schemeClr val="accent1"/>
+          </a:fillRef>
+          <a:effectRef idx="0">
+            <a:schemeClr val="accent1"/>
+          </a:effectRef>
+          <a:fontRef idx="minor">
+            <a:schemeClr val="lt1"/>
+          </a:fontRef>
+        </p:style>
+        <p:txBody>
+          <a:bodyPr rtlCol="0" anchor="ctr"/>
+          <a:lstStyle/>
+          <a:p>
+            <a:pPr algn="ctr"/>
+            <a:endParaRPr lang="es-MX"/>
+          </a:p>
+        </p:txBody>
+      </p:sp>
     </p:spTree>
     <p:extLst>
       <p:ext uri="{BB962C8B-B14F-4D97-AF65-F5344CB8AC3E}">
@@ -4916,6 +5711,13 @@
   <p:clrMapOvr>
     <a:masterClrMapping/>
   </p:clrMapOvr>
+  <p:timing>
+    <p:tnLst>
+      <p:par>
+        <p:cTn id="1" dur="indefinite" restart="never" nodeType="tmRoot"/>
+      </p:par>
+    </p:tnLst>
+  </p:timing>
 </p:sld>
 </file>
 
@@ -5158,6 +5960,98 @@
           </a:prstGeom>
         </p:spPr>
       </p:pic>
+      <p:sp>
+        <p:nvSpPr>
+          <p:cNvPr id="10" name="Elipse 9"/>
+          <p:cNvSpPr/>
+          <p:nvPr/>
+        </p:nvSpPr>
+        <p:spPr>
+          <a:xfrm>
+            <a:off x="476677" y="2841499"/>
+            <a:ext cx="3145279" cy="427512"/>
+          </a:xfrm>
+          <a:prstGeom prst="ellipse">
+            <a:avLst/>
+          </a:prstGeom>
+          <a:noFill/>
+          <a:ln w="19050">
+            <a:solidFill>
+              <a:srgbClr val="FF0000"/>
+            </a:solidFill>
+          </a:ln>
+        </p:spPr>
+        <p:style>
+          <a:lnRef idx="2">
+            <a:schemeClr val="accent1">
+              <a:shade val="50000"/>
+            </a:schemeClr>
+          </a:lnRef>
+          <a:fillRef idx="1">
+            <a:schemeClr val="accent1"/>
+          </a:fillRef>
+          <a:effectRef idx="0">
+            <a:schemeClr val="accent1"/>
+          </a:effectRef>
+          <a:fontRef idx="minor">
+            <a:schemeClr val="lt1"/>
+          </a:fontRef>
+        </p:style>
+        <p:txBody>
+          <a:bodyPr rtlCol="0" anchor="ctr"/>
+          <a:lstStyle/>
+          <a:p>
+            <a:pPr algn="ctr"/>
+            <a:endParaRPr lang="es-MX"/>
+          </a:p>
+        </p:txBody>
+      </p:sp>
+      <p:sp>
+        <p:nvSpPr>
+          <p:cNvPr id="12" name="Elipse 11"/>
+          <p:cNvSpPr/>
+          <p:nvPr/>
+        </p:nvSpPr>
+        <p:spPr>
+          <a:xfrm>
+            <a:off x="949519" y="7474266"/>
+            <a:ext cx="3145279" cy="427512"/>
+          </a:xfrm>
+          <a:prstGeom prst="ellipse">
+            <a:avLst/>
+          </a:prstGeom>
+          <a:noFill/>
+          <a:ln w="19050">
+            <a:solidFill>
+              <a:srgbClr val="FF0000"/>
+            </a:solidFill>
+          </a:ln>
+        </p:spPr>
+        <p:style>
+          <a:lnRef idx="2">
+            <a:schemeClr val="accent1">
+              <a:shade val="50000"/>
+            </a:schemeClr>
+          </a:lnRef>
+          <a:fillRef idx="1">
+            <a:schemeClr val="accent1"/>
+          </a:fillRef>
+          <a:effectRef idx="0">
+            <a:schemeClr val="accent1"/>
+          </a:effectRef>
+          <a:fontRef idx="minor">
+            <a:schemeClr val="lt1"/>
+          </a:fontRef>
+        </p:style>
+        <p:txBody>
+          <a:bodyPr rtlCol="0" anchor="ctr"/>
+          <a:lstStyle/>
+          <a:p>
+            <a:pPr algn="ctr"/>
+            <a:endParaRPr lang="es-MX"/>
+          </a:p>
+        </p:txBody>
+      </p:sp>
     </p:spTree>
     <p:extLst>
       <p:ext uri="{BB962C8B-B14F-4D97-AF65-F5344CB8AC3E}">
@@ -5168,6 +6062,13 @@
   <p:clrMapOvr>
     <a:masterClrMapping/>
   </p:clrMapOvr>
+  <p:timing>
+    <p:tnLst>
+      <p:par>
+        <p:cTn id="1" dur="indefinite" restart="never" nodeType="tmRoot"/>
+      </p:par>
+    </p:tnLst>
+  </p:timing>
 </p:sld>
 </file>
 
@@ -5368,6 +6269,98 @@
           </a:p>
         </p:txBody>
       </p:sp>
+      <p:sp>
+        <p:nvSpPr>
+          <p:cNvPr id="9" name="Elipse 8"/>
+          <p:cNvSpPr/>
+          <p:nvPr/>
+        </p:nvSpPr>
+        <p:spPr>
+          <a:xfrm>
+            <a:off x="829835" y="4329423"/>
+            <a:ext cx="3145279" cy="427512"/>
+          </a:xfrm>
+          <a:prstGeom prst="ellipse">
+            <a:avLst/>
+          </a:prstGeom>
+          <a:noFill/>
+          <a:ln w="19050">
+            <a:solidFill>
+              <a:srgbClr val="FF0000"/>
+            </a:solidFill>
+          </a:ln>
+        </p:spPr>
+        <p:style>
+          <a:lnRef idx="2">
+            <a:schemeClr val="accent1">
+              <a:shade val="50000"/>
+            </a:schemeClr>
+          </a:lnRef>
+          <a:fillRef idx="1">
+            <a:schemeClr val="accent1"/>
+          </a:fillRef>
+          <a:effectRef idx="0">
+            <a:schemeClr val="accent1"/>
+          </a:effectRef>
+          <a:fontRef idx="minor">
+            <a:schemeClr val="lt1"/>
+          </a:fontRef>
+        </p:style>
+        <p:txBody>
+          <a:bodyPr rtlCol="0" anchor="ctr"/>
+          <a:lstStyle/>
+          <a:p>
+            <a:pPr algn="ctr"/>
+            <a:endParaRPr lang="es-MX"/>
+          </a:p>
+        </p:txBody>
+      </p:sp>
+      <p:sp>
+        <p:nvSpPr>
+          <p:cNvPr id="10" name="Elipse 9"/>
+          <p:cNvSpPr/>
+          <p:nvPr/>
+        </p:nvSpPr>
+        <p:spPr>
+          <a:xfrm>
+            <a:off x="461350" y="7314777"/>
+            <a:ext cx="3145279" cy="427512"/>
+          </a:xfrm>
+          <a:prstGeom prst="ellipse">
+            <a:avLst/>
+          </a:prstGeom>
+          <a:noFill/>
+          <a:ln w="19050">
+            <a:solidFill>
+              <a:srgbClr val="FF0000"/>
+            </a:solidFill>
+          </a:ln>
+        </p:spPr>
+        <p:style>
+          <a:lnRef idx="2">
+            <a:schemeClr val="accent1">
+              <a:shade val="50000"/>
+            </a:schemeClr>
+          </a:lnRef>
+          <a:fillRef idx="1">
+            <a:schemeClr val="accent1"/>
+          </a:fillRef>
+          <a:effectRef idx="0">
+            <a:schemeClr val="accent1"/>
+          </a:effectRef>
+          <a:fontRef idx="minor">
+            <a:schemeClr val="lt1"/>
+          </a:fontRef>
+        </p:style>
+        <p:txBody>
+          <a:bodyPr rtlCol="0" anchor="ctr"/>
+          <a:lstStyle/>
+          <a:p>
+            <a:pPr algn="ctr"/>
+            <a:endParaRPr lang="es-MX"/>
+          </a:p>
+        </p:txBody>
+      </p:sp>
     </p:spTree>
     <p:extLst>
       <p:ext uri="{BB962C8B-B14F-4D97-AF65-F5344CB8AC3E}">
@@ -5378,6 +6371,13 @@
   <p:clrMapOvr>
     <a:masterClrMapping/>
   </p:clrMapOvr>
+  <p:timing>
+    <p:tnLst>
+      <p:par>
+        <p:cTn id="1" dur="indefinite" restart="never" nodeType="tmRoot"/>
+      </p:par>
+    </p:tnLst>
+  </p:timing>
 </p:sld>
 </file>
 
@@ -5406,7 +6406,7 @@
         </p:nvGrpSpPr>
         <p:grpSpPr>
           <a:xfrm>
-            <a:off x="495759" y="550843"/>
+            <a:off x="495759" y="580031"/>
             <a:ext cx="5898499" cy="1710237"/>
             <a:chOff x="495759" y="550843"/>
             <a:chExt cx="5898499" cy="1710237"/>
@@ -5653,6 +6653,144 @@
           </p:spPr>
         </p:pic>
       </p:grpSp>
+      <p:sp>
+        <p:nvSpPr>
+          <p:cNvPr id="12" name="Elipse 11"/>
+          <p:cNvSpPr/>
+          <p:nvPr/>
+        </p:nvSpPr>
+        <p:spPr>
+          <a:xfrm>
+            <a:off x="972171" y="1867439"/>
+            <a:ext cx="5351357" cy="427512"/>
+          </a:xfrm>
+          <a:prstGeom prst="ellipse">
+            <a:avLst/>
+          </a:prstGeom>
+          <a:noFill/>
+          <a:ln w="19050">
+            <a:solidFill>
+              <a:srgbClr val="FF0000"/>
+            </a:solidFill>
+          </a:ln>
+        </p:spPr>
+        <p:style>
+          <a:lnRef idx="2">
+            <a:schemeClr val="accent1">
+              <a:shade val="50000"/>
+            </a:schemeClr>
+          </a:lnRef>
+          <a:fillRef idx="1">
+            <a:schemeClr val="accent1"/>
+          </a:fillRef>
+          <a:effectRef idx="0">
+            <a:schemeClr val="accent1"/>
+          </a:effectRef>
+          <a:fontRef idx="minor">
+            <a:schemeClr val="lt1"/>
+          </a:fontRef>
+        </p:style>
+        <p:txBody>
+          <a:bodyPr rtlCol="0" anchor="ctr"/>
+          <a:lstStyle/>
+          <a:p>
+            <a:pPr algn="ctr"/>
+            <a:endParaRPr lang="es-MX"/>
+          </a:p>
+        </p:txBody>
+      </p:sp>
+      <p:sp>
+        <p:nvSpPr>
+          <p:cNvPr id="13" name="Elipse 12"/>
+          <p:cNvSpPr/>
+          <p:nvPr/>
+        </p:nvSpPr>
+        <p:spPr>
+          <a:xfrm>
+            <a:off x="495759" y="4553838"/>
+            <a:ext cx="5351357" cy="427512"/>
+          </a:xfrm>
+          <a:prstGeom prst="ellipse">
+            <a:avLst/>
+          </a:prstGeom>
+          <a:noFill/>
+          <a:ln w="19050">
+            <a:solidFill>
+              <a:srgbClr val="FF0000"/>
+            </a:solidFill>
+          </a:ln>
+        </p:spPr>
+        <p:style>
+          <a:lnRef idx="2">
+            <a:schemeClr val="accent1">
+              <a:shade val="50000"/>
+            </a:schemeClr>
+          </a:lnRef>
+          <a:fillRef idx="1">
+            <a:schemeClr val="accent1"/>
+          </a:fillRef>
+          <a:effectRef idx="0">
+            <a:schemeClr val="accent1"/>
+          </a:effectRef>
+          <a:fontRef idx="minor">
+            <a:schemeClr val="lt1"/>
+          </a:fontRef>
+        </p:style>
+        <p:txBody>
+          <a:bodyPr rtlCol="0" anchor="ctr"/>
+          <a:lstStyle/>
+          <a:p>
+            <a:pPr algn="ctr"/>
+            <a:endParaRPr lang="es-MX"/>
+          </a:p>
+        </p:txBody>
+      </p:sp>
+      <p:sp>
+        <p:nvSpPr>
+          <p:cNvPr id="15" name="Elipse 14"/>
+          <p:cNvSpPr/>
+          <p:nvPr/>
+        </p:nvSpPr>
+        <p:spPr>
+          <a:xfrm>
+            <a:off x="544396" y="8100038"/>
+            <a:ext cx="5351357" cy="427512"/>
+          </a:xfrm>
+          <a:prstGeom prst="ellipse">
+            <a:avLst/>
+          </a:prstGeom>
+          <a:noFill/>
+          <a:ln w="19050">
+            <a:solidFill>
+              <a:srgbClr val="FF0000"/>
+            </a:solidFill>
+          </a:ln>
+        </p:spPr>
+        <p:style>
+          <a:lnRef idx="2">
+            <a:schemeClr val="accent1">
+              <a:shade val="50000"/>
+            </a:schemeClr>
+          </a:lnRef>
+          <a:fillRef idx="1">
+            <a:schemeClr val="accent1"/>
+          </a:fillRef>
+          <a:effectRef idx="0">
+            <a:schemeClr val="accent1"/>
+          </a:effectRef>
+          <a:fontRef idx="minor">
+            <a:schemeClr val="lt1"/>
+          </a:fontRef>
+        </p:style>
+        <p:txBody>
+          <a:bodyPr rtlCol="0" anchor="ctr"/>
+          <a:lstStyle/>
+          <a:p>
+            <a:pPr algn="ctr"/>
+            <a:endParaRPr lang="es-MX"/>
+          </a:p>
+        </p:txBody>
+      </p:sp>
     </p:spTree>
     <p:extLst>
       <p:ext uri="{BB962C8B-B14F-4D97-AF65-F5344CB8AC3E}">
@@ -5663,6 +6801,13 @@
   <p:clrMapOvr>
     <a:masterClrMapping/>
   </p:clrMapOvr>
+  <p:timing>
+    <p:tnLst>
+      <p:par>
+        <p:cTn id="1" dur="indefinite" restart="never" nodeType="tmRoot"/>
+      </p:par>
+    </p:tnLst>
+  </p:timing>
 </p:sld>
 </file>
 
@@ -6321,6 +7466,98 @@
           </p:spPr>
         </p:pic>
       </p:grpSp>
+      <p:sp>
+        <p:nvSpPr>
+          <p:cNvPr id="12" name="Elipse 11"/>
+          <p:cNvSpPr/>
+          <p:nvPr/>
+        </p:nvSpPr>
+        <p:spPr>
+          <a:xfrm>
+            <a:off x="477943" y="2958954"/>
+            <a:ext cx="5351357" cy="427512"/>
+          </a:xfrm>
+          <a:prstGeom prst="ellipse">
+            <a:avLst/>
+          </a:prstGeom>
+          <a:noFill/>
+          <a:ln w="19050">
+            <a:solidFill>
+              <a:srgbClr val="FF0000"/>
+            </a:solidFill>
+          </a:ln>
+        </p:spPr>
+        <p:style>
+          <a:lnRef idx="2">
+            <a:schemeClr val="accent1">
+              <a:shade val="50000"/>
+            </a:schemeClr>
+          </a:lnRef>
+          <a:fillRef idx="1">
+            <a:schemeClr val="accent1"/>
+          </a:fillRef>
+          <a:effectRef idx="0">
+            <a:schemeClr val="accent1"/>
+          </a:effectRef>
+          <a:fontRef idx="minor">
+            <a:schemeClr val="lt1"/>
+          </a:fontRef>
+        </p:style>
+        <p:txBody>
+          <a:bodyPr rtlCol="0" anchor="ctr"/>
+          <a:lstStyle/>
+          <a:p>
+            <a:pPr algn="ctr"/>
+            <a:endParaRPr lang="es-MX"/>
+          </a:p>
+        </p:txBody>
+      </p:sp>
+      <p:sp>
+        <p:nvSpPr>
+          <p:cNvPr id="13" name="Elipse 12"/>
+          <p:cNvSpPr/>
+          <p:nvPr/>
+        </p:nvSpPr>
+        <p:spPr>
+          <a:xfrm>
+            <a:off x="477942" y="6942873"/>
+            <a:ext cx="5351357" cy="427512"/>
+          </a:xfrm>
+          <a:prstGeom prst="ellipse">
+            <a:avLst/>
+          </a:prstGeom>
+          <a:noFill/>
+          <a:ln w="19050">
+            <a:solidFill>
+              <a:srgbClr val="FF0000"/>
+            </a:solidFill>
+          </a:ln>
+        </p:spPr>
+        <p:style>
+          <a:lnRef idx="2">
+            <a:schemeClr val="accent1">
+              <a:shade val="50000"/>
+            </a:schemeClr>
+          </a:lnRef>
+          <a:fillRef idx="1">
+            <a:schemeClr val="accent1"/>
+          </a:fillRef>
+          <a:effectRef idx="0">
+            <a:schemeClr val="accent1"/>
+          </a:effectRef>
+          <a:fontRef idx="minor">
+            <a:schemeClr val="lt1"/>
+          </a:fontRef>
+        </p:style>
+        <p:txBody>
+          <a:bodyPr rtlCol="0" anchor="ctr"/>
+          <a:lstStyle/>
+          <a:p>
+            <a:pPr algn="ctr"/>
+            <a:endParaRPr lang="es-MX"/>
+          </a:p>
+        </p:txBody>
+      </p:sp>
     </p:spTree>
     <p:extLst>
       <p:ext uri="{BB962C8B-B14F-4D97-AF65-F5344CB8AC3E}">
@@ -6331,6 +7568,13 @@
   <p:clrMapOvr>
     <a:masterClrMapping/>
   </p:clrMapOvr>
+  <p:timing>
+    <p:tnLst>
+      <p:par>
+        <p:cTn id="1" dur="indefinite" restart="never" nodeType="tmRoot"/>
+      </p:par>
+    </p:tnLst>
+  </p:timing>
 </p:sld>
 </file>
 
@@ -6531,6 +7775,98 @@
           </p:spPr>
         </p:pic>
       </p:grpSp>
+      <p:sp>
+        <p:nvSpPr>
+          <p:cNvPr id="12" name="Elipse 11"/>
+          <p:cNvSpPr/>
+          <p:nvPr/>
+        </p:nvSpPr>
+        <p:spPr>
+          <a:xfrm>
+            <a:off x="648064" y="1459763"/>
+            <a:ext cx="5351357" cy="427512"/>
+          </a:xfrm>
+          <a:prstGeom prst="ellipse">
+            <a:avLst/>
+          </a:prstGeom>
+          <a:noFill/>
+          <a:ln w="19050">
+            <a:solidFill>
+              <a:srgbClr val="FF0000"/>
+            </a:solidFill>
+          </a:ln>
+        </p:spPr>
+        <p:style>
+          <a:lnRef idx="2">
+            <a:schemeClr val="accent1">
+              <a:shade val="50000"/>
+            </a:schemeClr>
+          </a:lnRef>
+          <a:fillRef idx="1">
+            <a:schemeClr val="accent1"/>
+          </a:fillRef>
+          <a:effectRef idx="0">
+            <a:schemeClr val="accent1"/>
+          </a:effectRef>
+          <a:fontRef idx="minor">
+            <a:schemeClr val="lt1"/>
+          </a:fontRef>
+        </p:style>
+        <p:txBody>
+          <a:bodyPr rtlCol="0" anchor="ctr"/>
+          <a:lstStyle/>
+          <a:p>
+            <a:pPr algn="ctr"/>
+            <a:endParaRPr lang="es-MX"/>
+          </a:p>
+        </p:txBody>
+      </p:sp>
+      <p:sp>
+        <p:nvSpPr>
+          <p:cNvPr id="13" name="Elipse 12"/>
+          <p:cNvSpPr/>
+          <p:nvPr/>
+        </p:nvSpPr>
+        <p:spPr>
+          <a:xfrm>
+            <a:off x="339720" y="4841639"/>
+            <a:ext cx="5351357" cy="427512"/>
+          </a:xfrm>
+          <a:prstGeom prst="ellipse">
+            <a:avLst/>
+          </a:prstGeom>
+          <a:noFill/>
+          <a:ln w="19050">
+            <a:solidFill>
+              <a:srgbClr val="FF0000"/>
+            </a:solidFill>
+          </a:ln>
+        </p:spPr>
+        <p:style>
+          <a:lnRef idx="2">
+            <a:schemeClr val="accent1">
+              <a:shade val="50000"/>
+            </a:schemeClr>
+          </a:lnRef>
+          <a:fillRef idx="1">
+            <a:schemeClr val="accent1"/>
+          </a:fillRef>
+          <a:effectRef idx="0">
+            <a:schemeClr val="accent1"/>
+          </a:effectRef>
+          <a:fontRef idx="minor">
+            <a:schemeClr val="lt1"/>
+          </a:fontRef>
+        </p:style>
+        <p:txBody>
+          <a:bodyPr rtlCol="0" anchor="ctr"/>
+          <a:lstStyle/>
+          <a:p>
+            <a:pPr algn="ctr"/>
+            <a:endParaRPr lang="es-MX"/>
+          </a:p>
+        </p:txBody>
+      </p:sp>
     </p:spTree>
     <p:extLst>
       <p:ext uri="{BB962C8B-B14F-4D97-AF65-F5344CB8AC3E}">
@@ -6541,6 +7877,13 @@
   <p:clrMapOvr>
     <a:masterClrMapping/>
   </p:clrMapOvr>
+  <p:timing>
+    <p:tnLst>
+      <p:par>
+        <p:cTn id="1" dur="indefinite" restart="never" nodeType="tmRoot"/>
+      </p:par>
+    </p:tnLst>
+  </p:timing>
 </p:sld>
 </file>
 
@@ -6741,6 +8084,98 @@
           </p:spPr>
         </p:pic>
       </p:grpSp>
+      <p:sp>
+        <p:nvSpPr>
+          <p:cNvPr id="14" name="Elipse 13"/>
+          <p:cNvSpPr/>
+          <p:nvPr/>
+        </p:nvSpPr>
+        <p:spPr>
+          <a:xfrm>
+            <a:off x="360985" y="4256479"/>
+            <a:ext cx="5351357" cy="427512"/>
+          </a:xfrm>
+          <a:prstGeom prst="ellipse">
+            <a:avLst/>
+          </a:prstGeom>
+          <a:noFill/>
+          <a:ln w="19050">
+            <a:solidFill>
+              <a:srgbClr val="FF0000"/>
+            </a:solidFill>
+          </a:ln>
+        </p:spPr>
+        <p:style>
+          <a:lnRef idx="2">
+            <a:schemeClr val="accent1">
+              <a:shade val="50000"/>
+            </a:schemeClr>
+          </a:lnRef>
+          <a:fillRef idx="1">
+            <a:schemeClr val="accent1"/>
+          </a:fillRef>
+          <a:effectRef idx="0">
+            <a:schemeClr val="accent1"/>
+          </a:effectRef>
+          <a:fontRef idx="minor">
+            <a:schemeClr val="lt1"/>
+          </a:fontRef>
+        </p:style>
+        <p:txBody>
+          <a:bodyPr rtlCol="0" anchor="ctr"/>
+          <a:lstStyle/>
+          <a:p>
+            <a:pPr algn="ctr"/>
+            <a:endParaRPr lang="es-MX"/>
+          </a:p>
+        </p:txBody>
+      </p:sp>
+      <p:sp>
+        <p:nvSpPr>
+          <p:cNvPr id="15" name="Elipse 14"/>
+          <p:cNvSpPr/>
+          <p:nvPr/>
+        </p:nvSpPr>
+        <p:spPr>
+          <a:xfrm>
+            <a:off x="477943" y="6038906"/>
+            <a:ext cx="5351357" cy="427512"/>
+          </a:xfrm>
+          <a:prstGeom prst="ellipse">
+            <a:avLst/>
+          </a:prstGeom>
+          <a:noFill/>
+          <a:ln w="19050">
+            <a:solidFill>
+              <a:srgbClr val="FF0000"/>
+            </a:solidFill>
+          </a:ln>
+        </p:spPr>
+        <p:style>
+          <a:lnRef idx="2">
+            <a:schemeClr val="accent1">
+              <a:shade val="50000"/>
+            </a:schemeClr>
+          </a:lnRef>
+          <a:fillRef idx="1">
+            <a:schemeClr val="accent1"/>
+          </a:fillRef>
+          <a:effectRef idx="0">
+            <a:schemeClr val="accent1"/>
+          </a:effectRef>
+          <a:fontRef idx="minor">
+            <a:schemeClr val="lt1"/>
+          </a:fontRef>
+        </p:style>
+        <p:txBody>
+          <a:bodyPr rtlCol="0" anchor="ctr"/>
+          <a:lstStyle/>
+          <a:p>
+            <a:pPr algn="ctr"/>
+            <a:endParaRPr lang="es-MX"/>
+          </a:p>
+        </p:txBody>
+      </p:sp>
     </p:spTree>
     <p:extLst>
       <p:ext uri="{BB962C8B-B14F-4D97-AF65-F5344CB8AC3E}">
@@ -6751,6 +8186,13 @@
   <p:clrMapOvr>
     <a:masterClrMapping/>
   </p:clrMapOvr>
+  <p:timing>
+    <p:tnLst>
+      <p:par>
+        <p:cTn id="1" dur="indefinite" restart="never" nodeType="tmRoot"/>
+      </p:par>
+    </p:tnLst>
+  </p:timing>
 </p:sld>
 </file>
 
@@ -6951,6 +8393,98 @@
           </a:p>
         </p:txBody>
       </p:sp>
+      <p:sp>
+        <p:nvSpPr>
+          <p:cNvPr id="12" name="Elipse 11"/>
+          <p:cNvSpPr/>
+          <p:nvPr/>
+        </p:nvSpPr>
+        <p:spPr>
+          <a:xfrm>
+            <a:off x="235461" y="3072808"/>
+            <a:ext cx="5351357" cy="331925"/>
+          </a:xfrm>
+          <a:prstGeom prst="ellipse">
+            <a:avLst/>
+          </a:prstGeom>
+          <a:noFill/>
+          <a:ln w="19050">
+            <a:solidFill>
+              <a:srgbClr val="FF0000"/>
+            </a:solidFill>
+          </a:ln>
+        </p:spPr>
+        <p:style>
+          <a:lnRef idx="2">
+            <a:schemeClr val="accent1">
+              <a:shade val="50000"/>
+            </a:schemeClr>
+          </a:lnRef>
+          <a:fillRef idx="1">
+            <a:schemeClr val="accent1"/>
+          </a:fillRef>
+          <a:effectRef idx="0">
+            <a:schemeClr val="accent1"/>
+          </a:effectRef>
+          <a:fontRef idx="minor">
+            <a:schemeClr val="lt1"/>
+          </a:fontRef>
+        </p:style>
+        <p:txBody>
+          <a:bodyPr rtlCol="0" anchor="ctr"/>
+          <a:lstStyle/>
+          <a:p>
+            <a:pPr algn="ctr"/>
+            <a:endParaRPr lang="es-MX"/>
+          </a:p>
+        </p:txBody>
+      </p:sp>
+      <p:sp>
+        <p:nvSpPr>
+          <p:cNvPr id="13" name="Elipse 12"/>
+          <p:cNvSpPr/>
+          <p:nvPr/>
+        </p:nvSpPr>
+        <p:spPr>
+          <a:xfrm>
+            <a:off x="477943" y="5424564"/>
+            <a:ext cx="5351357" cy="427512"/>
+          </a:xfrm>
+          <a:prstGeom prst="ellipse">
+            <a:avLst/>
+          </a:prstGeom>
+          <a:noFill/>
+          <a:ln w="19050">
+            <a:solidFill>
+              <a:srgbClr val="FF0000"/>
+            </a:solidFill>
+          </a:ln>
+        </p:spPr>
+        <p:style>
+          <a:lnRef idx="2">
+            <a:schemeClr val="accent1">
+              <a:shade val="50000"/>
+            </a:schemeClr>
+          </a:lnRef>
+          <a:fillRef idx="1">
+            <a:schemeClr val="accent1"/>
+          </a:fillRef>
+          <a:effectRef idx="0">
+            <a:schemeClr val="accent1"/>
+          </a:effectRef>
+          <a:fontRef idx="minor">
+            <a:schemeClr val="lt1"/>
+          </a:fontRef>
+        </p:style>
+        <p:txBody>
+          <a:bodyPr rtlCol="0" anchor="ctr"/>
+          <a:lstStyle/>
+          <a:p>
+            <a:pPr algn="ctr"/>
+            <a:endParaRPr lang="es-MX"/>
+          </a:p>
+        </p:txBody>
+      </p:sp>
     </p:spTree>
     <p:extLst>
       <p:ext uri="{BB962C8B-B14F-4D97-AF65-F5344CB8AC3E}">
@@ -6961,6 +8495,13 @@
   <p:clrMapOvr>
     <a:masterClrMapping/>
   </p:clrMapOvr>
+  <p:timing>
+    <p:tnLst>
+      <p:par>
+        <p:cTn id="1" dur="indefinite" restart="never" nodeType="tmRoot"/>
+      </p:par>
+    </p:tnLst>
+  </p:timing>
 </p:sld>
 </file>
 
@@ -7090,126 +8631,126 @@
                 <a:gridCol w="374770">
                   <a:extLst>
                     <a:ext uri="{9D8B030D-6E8A-4147-A177-3AD203B41FA5}">
-                      <a16:colId xmlns:a16="http://schemas.microsoft.com/office/drawing/2014/main" xmlns="" val="3756974256"/>
+                      <a16:colId xmlns="" xmlns:a16="http://schemas.microsoft.com/office/drawing/2014/main" val="3756974256"/>
                     </a:ext>
                   </a:extLst>
                 </a:gridCol>
                 <a:gridCol w="374770">
                   <a:extLst>
                     <a:ext uri="{9D8B030D-6E8A-4147-A177-3AD203B41FA5}">
-                      <a16:colId xmlns:a16="http://schemas.microsoft.com/office/drawing/2014/main" xmlns="" val="234651911"/>
+                      <a16:colId xmlns="" xmlns:a16="http://schemas.microsoft.com/office/drawing/2014/main" val="234651911"/>
                     </a:ext>
                   </a:extLst>
                 </a:gridCol>
                 <a:gridCol w="178016">
                   <a:extLst>
                     <a:ext uri="{9D8B030D-6E8A-4147-A177-3AD203B41FA5}">
-                      <a16:colId xmlns:a16="http://schemas.microsoft.com/office/drawing/2014/main" xmlns="" val="3161070266"/>
+                      <a16:colId xmlns="" xmlns:a16="http://schemas.microsoft.com/office/drawing/2014/main" val="3161070266"/>
                     </a:ext>
                   </a:extLst>
                 </a:gridCol>
                 <a:gridCol w="374770">
                   <a:extLst>
                     <a:ext uri="{9D8B030D-6E8A-4147-A177-3AD203B41FA5}">
-                      <a16:colId xmlns:a16="http://schemas.microsoft.com/office/drawing/2014/main" xmlns="" val="3696759440"/>
+                      <a16:colId xmlns="" xmlns:a16="http://schemas.microsoft.com/office/drawing/2014/main" val="3696759440"/>
                     </a:ext>
                   </a:extLst>
                 </a:gridCol>
                 <a:gridCol w="178016">
                   <a:extLst>
                     <a:ext uri="{9D8B030D-6E8A-4147-A177-3AD203B41FA5}">
-                      <a16:colId xmlns:a16="http://schemas.microsoft.com/office/drawing/2014/main" xmlns="" val="2415823242"/>
+                      <a16:colId xmlns="" xmlns:a16="http://schemas.microsoft.com/office/drawing/2014/main" val="2415823242"/>
                     </a:ext>
                   </a:extLst>
                 </a:gridCol>
                 <a:gridCol w="374770">
                   <a:extLst>
                     <a:ext uri="{9D8B030D-6E8A-4147-A177-3AD203B41FA5}">
-                      <a16:colId xmlns:a16="http://schemas.microsoft.com/office/drawing/2014/main" xmlns="" val="305798887"/>
+                      <a16:colId xmlns="" xmlns:a16="http://schemas.microsoft.com/office/drawing/2014/main" val="305798887"/>
                     </a:ext>
                   </a:extLst>
                 </a:gridCol>
                 <a:gridCol w="178016">
                   <a:extLst>
                     <a:ext uri="{9D8B030D-6E8A-4147-A177-3AD203B41FA5}">
-                      <a16:colId xmlns:a16="http://schemas.microsoft.com/office/drawing/2014/main" xmlns="" val="3124943877"/>
+                      <a16:colId xmlns="" xmlns:a16="http://schemas.microsoft.com/office/drawing/2014/main" val="3124943877"/>
                     </a:ext>
                   </a:extLst>
                 </a:gridCol>
                 <a:gridCol w="374770">
                   <a:extLst>
                     <a:ext uri="{9D8B030D-6E8A-4147-A177-3AD203B41FA5}">
-                      <a16:colId xmlns:a16="http://schemas.microsoft.com/office/drawing/2014/main" xmlns="" val="1751045746"/>
+                      <a16:colId xmlns="" xmlns:a16="http://schemas.microsoft.com/office/drawing/2014/main" val="1751045746"/>
                     </a:ext>
                   </a:extLst>
                 </a:gridCol>
                 <a:gridCol w="299816">
                   <a:extLst>
                     <a:ext uri="{9D8B030D-6E8A-4147-A177-3AD203B41FA5}">
-                      <a16:colId xmlns:a16="http://schemas.microsoft.com/office/drawing/2014/main" xmlns="" val="3179340781"/>
+                      <a16:colId xmlns="" xmlns:a16="http://schemas.microsoft.com/office/drawing/2014/main" val="3179340781"/>
                     </a:ext>
                   </a:extLst>
                 </a:gridCol>
                 <a:gridCol w="562153">
                   <a:extLst>
                     <a:ext uri="{9D8B030D-6E8A-4147-A177-3AD203B41FA5}">
-                      <a16:colId xmlns:a16="http://schemas.microsoft.com/office/drawing/2014/main" xmlns="" val="2988951680"/>
+                      <a16:colId xmlns="" xmlns:a16="http://schemas.microsoft.com/office/drawing/2014/main" val="2988951680"/>
                     </a:ext>
                   </a:extLst>
                 </a:gridCol>
                 <a:gridCol w="374770">
                   <a:extLst>
                     <a:ext uri="{9D8B030D-6E8A-4147-A177-3AD203B41FA5}">
-                      <a16:colId xmlns:a16="http://schemas.microsoft.com/office/drawing/2014/main" xmlns="" val="3185397880"/>
+                      <a16:colId xmlns="" xmlns:a16="http://schemas.microsoft.com/office/drawing/2014/main" val="3185397880"/>
                     </a:ext>
                   </a:extLst>
                 </a:gridCol>
                 <a:gridCol w="178016">
                   <a:extLst>
                     <a:ext uri="{9D8B030D-6E8A-4147-A177-3AD203B41FA5}">
-                      <a16:colId xmlns:a16="http://schemas.microsoft.com/office/drawing/2014/main" xmlns="" val="774832692"/>
+                      <a16:colId xmlns="" xmlns:a16="http://schemas.microsoft.com/office/drawing/2014/main" val="774832692"/>
                     </a:ext>
                   </a:extLst>
                 </a:gridCol>
                 <a:gridCol w="374770">
                   <a:extLst>
                     <a:ext uri="{9D8B030D-6E8A-4147-A177-3AD203B41FA5}">
-                      <a16:colId xmlns:a16="http://schemas.microsoft.com/office/drawing/2014/main" xmlns="" val="1302017070"/>
+                      <a16:colId xmlns="" xmlns:a16="http://schemas.microsoft.com/office/drawing/2014/main" val="1302017070"/>
                     </a:ext>
                   </a:extLst>
                 </a:gridCol>
                 <a:gridCol w="178016">
                   <a:extLst>
                     <a:ext uri="{9D8B030D-6E8A-4147-A177-3AD203B41FA5}">
-                      <a16:colId xmlns:a16="http://schemas.microsoft.com/office/drawing/2014/main" xmlns="" val="3995965587"/>
+                      <a16:colId xmlns="" xmlns:a16="http://schemas.microsoft.com/office/drawing/2014/main" val="3995965587"/>
                     </a:ext>
                   </a:extLst>
                 </a:gridCol>
                 <a:gridCol w="374770">
                   <a:extLst>
                     <a:ext uri="{9D8B030D-6E8A-4147-A177-3AD203B41FA5}">
-                      <a16:colId xmlns:a16="http://schemas.microsoft.com/office/drawing/2014/main" xmlns="" val="2328702860"/>
+                      <a16:colId xmlns="" xmlns:a16="http://schemas.microsoft.com/office/drawing/2014/main" val="2328702860"/>
                     </a:ext>
                   </a:extLst>
                 </a:gridCol>
                 <a:gridCol w="178016">
                   <a:extLst>
                     <a:ext uri="{9D8B030D-6E8A-4147-A177-3AD203B41FA5}">
-                      <a16:colId xmlns:a16="http://schemas.microsoft.com/office/drawing/2014/main" xmlns="" val="1734623480"/>
+                      <a16:colId xmlns="" xmlns:a16="http://schemas.microsoft.com/office/drawing/2014/main" val="1734623480"/>
                     </a:ext>
                   </a:extLst>
                 </a:gridCol>
                 <a:gridCol w="374770">
                   <a:extLst>
                     <a:ext uri="{9D8B030D-6E8A-4147-A177-3AD203B41FA5}">
-                      <a16:colId xmlns:a16="http://schemas.microsoft.com/office/drawing/2014/main" xmlns="" val="2104957204"/>
+                      <a16:colId xmlns="" xmlns:a16="http://schemas.microsoft.com/office/drawing/2014/main" val="2104957204"/>
                     </a:ext>
                   </a:extLst>
                 </a:gridCol>
                 <a:gridCol w="312307">
                   <a:extLst>
                     <a:ext uri="{9D8B030D-6E8A-4147-A177-3AD203B41FA5}">
-                      <a16:colId xmlns:a16="http://schemas.microsoft.com/office/drawing/2014/main" xmlns="" val="3781667298"/>
+                      <a16:colId xmlns="" xmlns:a16="http://schemas.microsoft.com/office/drawing/2014/main" val="3781667298"/>
                     </a:ext>
                   </a:extLst>
                 </a:gridCol>
@@ -7979,7 +9520,7 @@
                 </a:tc>
                 <a:extLst>
                   <a:ext uri="{0D108BD9-81ED-4DB2-BD59-A6C34878D82A}">
-                    <a16:rowId xmlns:a16="http://schemas.microsoft.com/office/drawing/2014/main" xmlns="" val="3865243345"/>
+                    <a16:rowId xmlns="" xmlns:a16="http://schemas.microsoft.com/office/drawing/2014/main" val="3865243345"/>
                   </a:ext>
                 </a:extLst>
               </a:tr>
@@ -8859,7 +10400,7 @@
                 </a:tc>
                 <a:extLst>
                   <a:ext uri="{0D108BD9-81ED-4DB2-BD59-A6C34878D82A}">
-                    <a16:rowId xmlns:a16="http://schemas.microsoft.com/office/drawing/2014/main" xmlns="" val="1753714927"/>
+                    <a16:rowId xmlns="" xmlns:a16="http://schemas.microsoft.com/office/drawing/2014/main" val="1753714927"/>
                   </a:ext>
                 </a:extLst>
               </a:tr>
@@ -9739,7 +11280,7 @@
                 </a:tc>
                 <a:extLst>
                   <a:ext uri="{0D108BD9-81ED-4DB2-BD59-A6C34878D82A}">
-                    <a16:rowId xmlns:a16="http://schemas.microsoft.com/office/drawing/2014/main" xmlns="" val="1972887798"/>
+                    <a16:rowId xmlns="" xmlns:a16="http://schemas.microsoft.com/office/drawing/2014/main" val="1972887798"/>
                   </a:ext>
                 </a:extLst>
               </a:tr>
@@ -10619,7 +12160,7 @@
                 </a:tc>
                 <a:extLst>
                   <a:ext uri="{0D108BD9-81ED-4DB2-BD59-A6C34878D82A}">
-                    <a16:rowId xmlns:a16="http://schemas.microsoft.com/office/drawing/2014/main" xmlns="" val="3417758168"/>
+                    <a16:rowId xmlns="" xmlns:a16="http://schemas.microsoft.com/office/drawing/2014/main" val="3417758168"/>
                   </a:ext>
                 </a:extLst>
               </a:tr>
@@ -11499,7 +13040,7 @@
                 </a:tc>
                 <a:extLst>
                   <a:ext uri="{0D108BD9-81ED-4DB2-BD59-A6C34878D82A}">
-                    <a16:rowId xmlns:a16="http://schemas.microsoft.com/office/drawing/2014/main" xmlns="" val="866385615"/>
+                    <a16:rowId xmlns="" xmlns:a16="http://schemas.microsoft.com/office/drawing/2014/main" val="866385615"/>
                   </a:ext>
                 </a:extLst>
               </a:tr>
@@ -12379,7 +13920,7 @@
                 </a:tc>
                 <a:extLst>
                   <a:ext uri="{0D108BD9-81ED-4DB2-BD59-A6C34878D82A}">
-                    <a16:rowId xmlns:a16="http://schemas.microsoft.com/office/drawing/2014/main" xmlns="" val="2049192976"/>
+                    <a16:rowId xmlns="" xmlns:a16="http://schemas.microsoft.com/office/drawing/2014/main" val="2049192976"/>
                   </a:ext>
                 </a:extLst>
               </a:tr>
@@ -13259,7 +14800,7 @@
                 </a:tc>
                 <a:extLst>
                   <a:ext uri="{0D108BD9-81ED-4DB2-BD59-A6C34878D82A}">
-                    <a16:rowId xmlns:a16="http://schemas.microsoft.com/office/drawing/2014/main" xmlns="" val="448062279"/>
+                    <a16:rowId xmlns="" xmlns:a16="http://schemas.microsoft.com/office/drawing/2014/main" val="448062279"/>
                   </a:ext>
                 </a:extLst>
               </a:tr>
@@ -14139,7 +15680,7 @@
                 </a:tc>
                 <a:extLst>
                   <a:ext uri="{0D108BD9-81ED-4DB2-BD59-A6C34878D82A}">
-                    <a16:rowId xmlns:a16="http://schemas.microsoft.com/office/drawing/2014/main" xmlns="" val="1630007806"/>
+                    <a16:rowId xmlns="" xmlns:a16="http://schemas.microsoft.com/office/drawing/2014/main" val="1630007806"/>
                   </a:ext>
                 </a:extLst>
               </a:tr>
@@ -15019,7 +16560,7 @@
                 </a:tc>
                 <a:extLst>
                   <a:ext uri="{0D108BD9-81ED-4DB2-BD59-A6C34878D82A}">
-                    <a16:rowId xmlns:a16="http://schemas.microsoft.com/office/drawing/2014/main" xmlns="" val="4123900706"/>
+                    <a16:rowId xmlns="" xmlns:a16="http://schemas.microsoft.com/office/drawing/2014/main" val="4123900706"/>
                   </a:ext>
                 </a:extLst>
               </a:tr>
@@ -15899,7 +17440,7 @@
                 </a:tc>
                 <a:extLst>
                   <a:ext uri="{0D108BD9-81ED-4DB2-BD59-A6C34878D82A}">
-                    <a16:rowId xmlns:a16="http://schemas.microsoft.com/office/drawing/2014/main" xmlns="" val="3049710863"/>
+                    <a16:rowId xmlns="" xmlns:a16="http://schemas.microsoft.com/office/drawing/2014/main" val="3049710863"/>
                   </a:ext>
                 </a:extLst>
               </a:tr>
@@ -16779,7 +18320,7 @@
                 </a:tc>
                 <a:extLst>
                   <a:ext uri="{0D108BD9-81ED-4DB2-BD59-A6C34878D82A}">
-                    <a16:rowId xmlns:a16="http://schemas.microsoft.com/office/drawing/2014/main" xmlns="" val="478382139"/>
+                    <a16:rowId xmlns="" xmlns:a16="http://schemas.microsoft.com/office/drawing/2014/main" val="478382139"/>
                   </a:ext>
                 </a:extLst>
               </a:tr>
@@ -17659,7 +19200,7 @@
                 </a:tc>
                 <a:extLst>
                   <a:ext uri="{0D108BD9-81ED-4DB2-BD59-A6C34878D82A}">
-                    <a16:rowId xmlns:a16="http://schemas.microsoft.com/office/drawing/2014/main" xmlns="" val="486267765"/>
+                    <a16:rowId xmlns="" xmlns:a16="http://schemas.microsoft.com/office/drawing/2014/main" val="486267765"/>
                   </a:ext>
                 </a:extLst>
               </a:tr>
@@ -18539,7 +20080,7 @@
                 </a:tc>
                 <a:extLst>
                   <a:ext uri="{0D108BD9-81ED-4DB2-BD59-A6C34878D82A}">
-                    <a16:rowId xmlns:a16="http://schemas.microsoft.com/office/drawing/2014/main" xmlns="" val="3938472884"/>
+                    <a16:rowId xmlns="" xmlns:a16="http://schemas.microsoft.com/office/drawing/2014/main" val="3938472884"/>
                   </a:ext>
                 </a:extLst>
               </a:tr>
@@ -19419,7 +20960,7 @@
                 </a:tc>
                 <a:extLst>
                   <a:ext uri="{0D108BD9-81ED-4DB2-BD59-A6C34878D82A}">
-                    <a16:rowId xmlns:a16="http://schemas.microsoft.com/office/drawing/2014/main" xmlns="" val="4233728475"/>
+                    <a16:rowId xmlns="" xmlns:a16="http://schemas.microsoft.com/office/drawing/2014/main" val="4233728475"/>
                   </a:ext>
                 </a:extLst>
               </a:tr>
@@ -20299,7 +21840,7 @@
                 </a:tc>
                 <a:extLst>
                   <a:ext uri="{0D108BD9-81ED-4DB2-BD59-A6C34878D82A}">
-                    <a16:rowId xmlns:a16="http://schemas.microsoft.com/office/drawing/2014/main" xmlns="" val="1599226063"/>
+                    <a16:rowId xmlns="" xmlns:a16="http://schemas.microsoft.com/office/drawing/2014/main" val="1599226063"/>
                   </a:ext>
                 </a:extLst>
               </a:tr>
@@ -21179,7 +22720,7 @@
                 </a:tc>
                 <a:extLst>
                   <a:ext uri="{0D108BD9-81ED-4DB2-BD59-A6C34878D82A}">
-                    <a16:rowId xmlns:a16="http://schemas.microsoft.com/office/drawing/2014/main" xmlns="" val="941910872"/>
+                    <a16:rowId xmlns="" xmlns:a16="http://schemas.microsoft.com/office/drawing/2014/main" val="941910872"/>
                   </a:ext>
                 </a:extLst>
               </a:tr>
@@ -22059,7 +23600,7 @@
                 </a:tc>
                 <a:extLst>
                   <a:ext uri="{0D108BD9-81ED-4DB2-BD59-A6C34878D82A}">
-                    <a16:rowId xmlns:a16="http://schemas.microsoft.com/office/drawing/2014/main" xmlns="" val="127829569"/>
+                    <a16:rowId xmlns="" xmlns:a16="http://schemas.microsoft.com/office/drawing/2014/main" val="127829569"/>
                   </a:ext>
                 </a:extLst>
               </a:tr>
@@ -22939,7 +24480,7 @@
                 </a:tc>
                 <a:extLst>
                   <a:ext uri="{0D108BD9-81ED-4DB2-BD59-A6C34878D82A}">
-                    <a16:rowId xmlns:a16="http://schemas.microsoft.com/office/drawing/2014/main" xmlns="" val="1553548817"/>
+                    <a16:rowId xmlns="" xmlns:a16="http://schemas.microsoft.com/office/drawing/2014/main" val="1553548817"/>
                   </a:ext>
                 </a:extLst>
               </a:tr>
@@ -23819,7 +25360,7 @@
                 </a:tc>
                 <a:extLst>
                   <a:ext uri="{0D108BD9-81ED-4DB2-BD59-A6C34878D82A}">
-                    <a16:rowId xmlns:a16="http://schemas.microsoft.com/office/drawing/2014/main" xmlns="" val="4138094180"/>
+                    <a16:rowId xmlns="" xmlns:a16="http://schemas.microsoft.com/office/drawing/2014/main" val="4138094180"/>
                   </a:ext>
                 </a:extLst>
               </a:tr>
@@ -24699,7 +26240,7 @@
                 </a:tc>
                 <a:extLst>
                   <a:ext uri="{0D108BD9-81ED-4DB2-BD59-A6C34878D82A}">
-                    <a16:rowId xmlns:a16="http://schemas.microsoft.com/office/drawing/2014/main" xmlns="" val="931363302"/>
+                    <a16:rowId xmlns="" xmlns:a16="http://schemas.microsoft.com/office/drawing/2014/main" val="931363302"/>
                   </a:ext>
                 </a:extLst>
               </a:tr>
@@ -25579,7 +27120,7 @@
                 </a:tc>
                 <a:extLst>
                   <a:ext uri="{0D108BD9-81ED-4DB2-BD59-A6C34878D82A}">
-                    <a16:rowId xmlns:a16="http://schemas.microsoft.com/office/drawing/2014/main" xmlns="" val="1088044999"/>
+                    <a16:rowId xmlns="" xmlns:a16="http://schemas.microsoft.com/office/drawing/2014/main" val="1088044999"/>
                   </a:ext>
                 </a:extLst>
               </a:tr>
@@ -26459,7 +28000,7 @@
                 </a:tc>
                 <a:extLst>
                   <a:ext uri="{0D108BD9-81ED-4DB2-BD59-A6C34878D82A}">
-                    <a16:rowId xmlns:a16="http://schemas.microsoft.com/office/drawing/2014/main" xmlns="" val="4284771694"/>
+                    <a16:rowId xmlns="" xmlns:a16="http://schemas.microsoft.com/office/drawing/2014/main" val="4284771694"/>
                   </a:ext>
                 </a:extLst>
               </a:tr>
@@ -27339,7 +28880,7 @@
                 </a:tc>
                 <a:extLst>
                   <a:ext uri="{0D108BD9-81ED-4DB2-BD59-A6C34878D82A}">
-                    <a16:rowId xmlns:a16="http://schemas.microsoft.com/office/drawing/2014/main" xmlns="" val="129405688"/>
+                    <a16:rowId xmlns="" xmlns:a16="http://schemas.microsoft.com/office/drawing/2014/main" val="129405688"/>
                   </a:ext>
                 </a:extLst>
               </a:tr>
@@ -28219,7 +29760,7 @@
                 </a:tc>
                 <a:extLst>
                   <a:ext uri="{0D108BD9-81ED-4DB2-BD59-A6C34878D82A}">
-                    <a16:rowId xmlns:a16="http://schemas.microsoft.com/office/drawing/2014/main" xmlns="" val="4155985290"/>
+                    <a16:rowId xmlns="" xmlns:a16="http://schemas.microsoft.com/office/drawing/2014/main" val="4155985290"/>
                   </a:ext>
                 </a:extLst>
               </a:tr>
@@ -29099,7 +30640,7 @@
                 </a:tc>
                 <a:extLst>
                   <a:ext uri="{0D108BD9-81ED-4DB2-BD59-A6C34878D82A}">
-                    <a16:rowId xmlns:a16="http://schemas.microsoft.com/office/drawing/2014/main" xmlns="" val="754464813"/>
+                    <a16:rowId xmlns="" xmlns:a16="http://schemas.microsoft.com/office/drawing/2014/main" val="754464813"/>
                   </a:ext>
                 </a:extLst>
               </a:tr>
@@ -29979,7 +31520,7 @@
                 </a:tc>
                 <a:extLst>
                   <a:ext uri="{0D108BD9-81ED-4DB2-BD59-A6C34878D82A}">
-                    <a16:rowId xmlns:a16="http://schemas.microsoft.com/office/drawing/2014/main" xmlns="" val="1076519497"/>
+                    <a16:rowId xmlns="" xmlns:a16="http://schemas.microsoft.com/office/drawing/2014/main" val="1076519497"/>
                   </a:ext>
                 </a:extLst>
               </a:tr>
@@ -30748,7 +32289,7 @@
                 </a:tc>
                 <a:extLst>
                   <a:ext uri="{0D108BD9-81ED-4DB2-BD59-A6C34878D82A}">
-                    <a16:rowId xmlns:a16="http://schemas.microsoft.com/office/drawing/2014/main" xmlns="" val="3469624903"/>
+                    <a16:rowId xmlns="" xmlns:a16="http://schemas.microsoft.com/office/drawing/2014/main" val="3469624903"/>
                   </a:ext>
                 </a:extLst>
               </a:tr>
@@ -30826,6 +32367,13 @@
   <p:clrMapOvr>
     <a:masterClrMapping/>
   </p:clrMapOvr>
+  <p:timing>
+    <p:tnLst>
+      <p:par>
+        <p:cTn id="1" dur="indefinite" restart="never" nodeType="tmRoot"/>
+      </p:par>
+    </p:tnLst>
+  </p:timing>
 </p:sld>
 </file>
 
